--- a/Courses/Software-Sciences/Module-4-Information-Systems/06-CRUD-with-EF-and-Windows-Forms/06-CRUD-with-EF-Core-and-Windows-Forms.pptx
+++ b/Courses/Software-Sciences/Module-4-Information-Systems/06-CRUD-with-EF-and-Windows-Forms/06-CRUD-with-EF-Core-and-Windows-Forms.pptx
@@ -359,7 +359,7 @@
           <a:p>
             <a:fld id="{4E087215-0C8F-4762-A664-737A353EC9A4}" type="datetimeFigureOut">
               <a:rPr lang="bg-BG" smtClean="0"/>
-              <a:t>12.01.25 г.</a:t>
+              <a:t>4.02.25 г.</a:t>
             </a:fld>
             <a:endParaRPr lang="bg-BG"/>
           </a:p>
@@ -555,7 +555,7 @@
           <a:p>
             <a:fld id="{72D84649-876A-46C9-8472-14CB09C070D8}" type="datetimeFigureOut">
               <a:rPr lang="en-US" smtClean="0"/>
-              <a:t>1/12/25</a:t>
+              <a:t>2/4/25</a:t>
             </a:fld>
             <a:endParaRPr lang="en-US"/>
           </a:p>
@@ -8036,8 +8036,8 @@
         </p:blipFill>
         <p:spPr>
           <a:xfrm>
-            <a:off x="607097" y="3070787"/>
-            <a:ext cx="1827780" cy="819755"/>
+            <a:off x="607097" y="3071664"/>
+            <a:ext cx="1827780" cy="818000"/>
           </a:xfrm>
           <a:prstGeom prst="rect">
             <a:avLst/>
